--- a/Lectures/Week04/Lecture07.pptx
+++ b/Lectures/Week04/Lecture07.pptx
@@ -3198,8 +3198,8 @@
           </a:p>
         </p:txBody>
       </p:sp>
-      <mc:AlternateContent xmlns:mc="http://schemas.openxmlformats.org/markup-compatibility/2006">
-        <mc:Choice xmlns:a14="http://schemas.microsoft.com/office/drawing/2010/main" Requires="a14">
+      <mc:AlternateContent xmlns:mc="http://schemas.openxmlformats.org/markup-compatibility/2006" xmlns:a14="http://schemas.microsoft.com/office/drawing/2010/main">
+        <mc:Choice Requires="a14">
           <p:sp>
             <p:nvSpPr>
               <p:cNvPr id="8" name="Content Placeholder 7">
@@ -3566,7 +3566,7 @@
             </p:txBody>
           </p:sp>
         </mc:Choice>
-        <mc:Fallback>
+        <mc:Fallback xmlns="">
           <p:sp>
             <p:nvSpPr>
               <p:cNvPr id="8" name="Content Placeholder 7">
@@ -3616,13 +3616,13 @@
   <p:clrMapOvr>
     <a:masterClrMapping/>
   </p:clrMapOvr>
-  <mc:AlternateContent xmlns:mc="http://schemas.openxmlformats.org/markup-compatibility/2006">
-    <mc:Choice xmlns:p14="http://schemas.microsoft.com/office/powerpoint/2010/main" Requires="p14">
+  <mc:AlternateContent xmlns:mc="http://schemas.openxmlformats.org/markup-compatibility/2006" xmlns:p14="http://schemas.microsoft.com/office/powerpoint/2010/main">
+    <mc:Choice Requires="p14">
       <p:transition spd="med" p14:dur="700">
         <p:fade/>
       </p:transition>
     </mc:Choice>
-    <mc:Fallback>
+    <mc:Fallback xmlns="">
       <p:transition spd="med">
         <p:fade/>
       </p:transition>
@@ -3839,8 +3839,8 @@
           </a:p>
         </p:txBody>
       </p:sp>
-      <mc:AlternateContent xmlns:mc="http://schemas.openxmlformats.org/markup-compatibility/2006">
-        <mc:Choice xmlns:a14="http://schemas.microsoft.com/office/drawing/2010/main" Requires="a14">
+      <mc:AlternateContent xmlns:mc="http://schemas.openxmlformats.org/markup-compatibility/2006" xmlns:a14="http://schemas.microsoft.com/office/drawing/2010/main">
+        <mc:Choice Requires="a14">
           <p:sp>
             <p:nvSpPr>
               <p:cNvPr id="8" name="Content Placeholder 7">
@@ -4468,16 +4468,7 @@
                               </a:solidFill>
                               <a:latin typeface="Cambria Math" panose="02040503050406030204" pitchFamily="18" charset="0"/>
                             </a:rPr>
-                            <m:t>)</m:t>
-                          </m:r>
-                          <m:r>
-                            <a:rPr lang="en-US" b="0" i="1" smtClean="0">
-                              <a:solidFill>
-                                <a:schemeClr val="tx1"/>
-                              </a:solidFill>
-                              <a:latin typeface="Cambria Math" panose="02040503050406030204" pitchFamily="18" charset="0"/>
-                            </a:rPr>
-                            <m:t> </m:t>
+                            <m:t>) </m:t>
                           </m:r>
                           <m:r>
                             <a:rPr lang="en-US" b="0" i="1" smtClean="0">
@@ -4933,7 +4924,7 @@
             </p:txBody>
           </p:sp>
         </mc:Choice>
-        <mc:Fallback>
+        <mc:Fallback xmlns="">
           <p:sp>
             <p:nvSpPr>
               <p:cNvPr id="8" name="Content Placeholder 7">
@@ -4987,13 +4978,13 @@
   <p:clrMapOvr>
     <a:masterClrMapping/>
   </p:clrMapOvr>
-  <mc:AlternateContent xmlns:mc="http://schemas.openxmlformats.org/markup-compatibility/2006">
-    <mc:Choice xmlns:p14="http://schemas.microsoft.com/office/powerpoint/2010/main" Requires="p14">
+  <mc:AlternateContent xmlns:mc="http://schemas.openxmlformats.org/markup-compatibility/2006" xmlns:p14="http://schemas.microsoft.com/office/powerpoint/2010/main">
+    <mc:Choice Requires="p14">
       <p:transition spd="med" p14:dur="700">
         <p:fade/>
       </p:transition>
     </mc:Choice>
-    <mc:Fallback>
+    <mc:Fallback xmlns="">
       <p:transition spd="med">
         <p:fade/>
       </p:transition>
@@ -5344,8 +5335,8 @@
           </a:p>
         </p:txBody>
       </p:sp>
-      <mc:AlternateContent xmlns:mc="http://schemas.openxmlformats.org/markup-compatibility/2006">
-        <mc:Choice xmlns:a14="http://schemas.microsoft.com/office/drawing/2010/main" Requires="a14">
+      <mc:AlternateContent xmlns:mc="http://schemas.openxmlformats.org/markup-compatibility/2006" xmlns:a14="http://schemas.microsoft.com/office/drawing/2010/main">
+        <mc:Choice Requires="a14">
           <p:sp>
             <p:nvSpPr>
               <p:cNvPr id="8" name="Content Placeholder 7">
@@ -5574,16 +5565,7 @@
                               </a:solidFill>
                               <a:latin typeface="Cambria Math" panose="02040503050406030204" pitchFamily="18" charset="0"/>
                             </a:rPr>
-                            <m:t>))</m:t>
-                          </m:r>
-                          <m:r>
-                            <a:rPr lang="en-US" b="0" i="1" smtClean="0">
-                              <a:solidFill>
-                                <a:schemeClr val="tx1"/>
-                              </a:solidFill>
-                              <a:latin typeface="Cambria Math" panose="02040503050406030204" pitchFamily="18" charset="0"/>
-                            </a:rPr>
-                            <m:t>(1−</m:t>
+                            <m:t>))(1−</m:t>
                           </m:r>
                           <m:r>
                             <a:rPr lang="en-US" b="0" i="1" smtClean="0">
@@ -6094,7 +6076,7 @@
             </p:txBody>
           </p:sp>
         </mc:Choice>
-        <mc:Fallback>
+        <mc:Fallback xmlns="">
           <p:sp>
             <p:nvSpPr>
               <p:cNvPr id="8" name="Content Placeholder 7">
@@ -6144,13 +6126,13 @@
   <p:clrMapOvr>
     <a:masterClrMapping/>
   </p:clrMapOvr>
-  <mc:AlternateContent xmlns:mc="http://schemas.openxmlformats.org/markup-compatibility/2006">
-    <mc:Choice xmlns:p14="http://schemas.microsoft.com/office/powerpoint/2010/main" Requires="p14">
+  <mc:AlternateContent xmlns:mc="http://schemas.openxmlformats.org/markup-compatibility/2006" xmlns:p14="http://schemas.microsoft.com/office/powerpoint/2010/main">
+    <mc:Choice Requires="p14">
       <p:transition spd="med" p14:dur="700">
         <p:fade/>
       </p:transition>
     </mc:Choice>
-    <mc:Fallback>
+    <mc:Fallback xmlns="">
       <p:transition spd="med">
         <p:fade/>
       </p:transition>
@@ -6939,8 +6921,8 @@
           </a:p>
         </p:txBody>
       </p:sp>
-      <mc:AlternateContent xmlns:mc="http://schemas.openxmlformats.org/markup-compatibility/2006">
-        <mc:Choice xmlns:a14="http://schemas.microsoft.com/office/drawing/2010/main" Requires="a14">
+      <mc:AlternateContent xmlns:mc="http://schemas.openxmlformats.org/markup-compatibility/2006" xmlns:a14="http://schemas.microsoft.com/office/drawing/2010/main">
+        <mc:Choice Requires="a14">
           <p:sp>
             <p:nvSpPr>
               <p:cNvPr id="8" name="Content Placeholder 7">
@@ -7474,7 +7456,7 @@
             </p:txBody>
           </p:sp>
         </mc:Choice>
-        <mc:Fallback>
+        <mc:Fallback xmlns="">
           <p:sp>
             <p:nvSpPr>
               <p:cNvPr id="8" name="Content Placeholder 7">
@@ -7589,8 +7571,8 @@
               <a:chExt cx="2191659" cy="5922703"/>
             </a:xfrm>
           </p:grpSpPr>
-          <mc:AlternateContent xmlns:mc="http://schemas.openxmlformats.org/markup-compatibility/2006">
-            <mc:Choice xmlns:a14="http://schemas.microsoft.com/office/drawing/2010/main" Requires="a14">
+          <mc:AlternateContent xmlns:mc="http://schemas.openxmlformats.org/markup-compatibility/2006" xmlns:a14="http://schemas.microsoft.com/office/drawing/2010/main">
+            <mc:Choice Requires="a14">
               <p:sp>
                 <p:nvSpPr>
                   <p:cNvPr id="5" name="TextBox 4">
@@ -7640,7 +7622,7 @@
                 </p:txBody>
               </p:sp>
             </mc:Choice>
-            <mc:Fallback>
+            <mc:Fallback xmlns="">
               <p:sp>
                 <p:nvSpPr>
                   <p:cNvPr id="5" name="TextBox 4">
@@ -7795,8 +7777,8 @@
                   <a:chExt cx="2133600" cy="1245507"/>
                 </a:xfrm>
               </p:grpSpPr>
-              <mc:AlternateContent xmlns:mc="http://schemas.openxmlformats.org/markup-compatibility/2006">
-                <mc:Choice xmlns:a14="http://schemas.microsoft.com/office/drawing/2010/main" Requires="a14">
+              <mc:AlternateContent xmlns:mc="http://schemas.openxmlformats.org/markup-compatibility/2006" xmlns:a14="http://schemas.microsoft.com/office/drawing/2010/main">
+                <mc:Choice Requires="a14">
                   <p:sp>
                     <p:nvSpPr>
                       <p:cNvPr id="25" name="Rectangle 24">
@@ -7932,7 +7914,7 @@
                     </p:txBody>
                   </p:sp>
                 </mc:Choice>
-                <mc:Fallback>
+                <mc:Fallback xmlns="">
                   <p:sp>
                     <p:nvSpPr>
                       <p:cNvPr id="25" name="Rectangle 24">
@@ -8093,8 +8075,8 @@
                   </a:p>
                 </p:txBody>
               </p:sp>
-              <mc:AlternateContent xmlns:mc="http://schemas.openxmlformats.org/markup-compatibility/2006">
-                <mc:Choice xmlns:a14="http://schemas.microsoft.com/office/drawing/2010/main" Requires="a14">
+              <mc:AlternateContent xmlns:mc="http://schemas.openxmlformats.org/markup-compatibility/2006" xmlns:a14="http://schemas.microsoft.com/office/drawing/2010/main">
+                <mc:Choice Requires="a14">
                   <p:sp>
                     <p:nvSpPr>
                       <p:cNvPr id="27" name="Rectangle 26">
@@ -8217,7 +8199,7 @@
                     </p:txBody>
                   </p:sp>
                 </mc:Choice>
-                <mc:Fallback>
+                <mc:Fallback xmlns="">
                   <p:sp>
                     <p:nvSpPr>
                       <p:cNvPr id="27" name="Rectangle 26">
@@ -8299,8 +8281,8 @@
                   <a:chExt cx="2133600" cy="1245507"/>
                 </a:xfrm>
               </p:grpSpPr>
-              <mc:AlternateContent xmlns:mc="http://schemas.openxmlformats.org/markup-compatibility/2006">
-                <mc:Choice xmlns:a14="http://schemas.microsoft.com/office/drawing/2010/main" Requires="a14">
+              <mc:AlternateContent xmlns:mc="http://schemas.openxmlformats.org/markup-compatibility/2006" xmlns:a14="http://schemas.microsoft.com/office/drawing/2010/main">
+                <mc:Choice Requires="a14">
                   <p:sp>
                     <p:nvSpPr>
                       <p:cNvPr id="22" name="Rectangle 21">
@@ -8436,7 +8418,7 @@
                     </p:txBody>
                   </p:sp>
                 </mc:Choice>
-                <mc:Fallback>
+                <mc:Fallback xmlns="">
                   <p:sp>
                     <p:nvSpPr>
                       <p:cNvPr id="22" name="Rectangle 21">
@@ -8597,8 +8579,8 @@
                   </a:p>
                 </p:txBody>
               </p:sp>
-              <mc:AlternateContent xmlns:mc="http://schemas.openxmlformats.org/markup-compatibility/2006">
-                <mc:Choice xmlns:a14="http://schemas.microsoft.com/office/drawing/2010/main" Requires="a14">
+              <mc:AlternateContent xmlns:mc="http://schemas.openxmlformats.org/markup-compatibility/2006" xmlns:a14="http://schemas.microsoft.com/office/drawing/2010/main">
+                <mc:Choice Requires="a14">
                   <p:sp>
                     <p:nvSpPr>
                       <p:cNvPr id="24" name="Rectangle 23">
@@ -8721,7 +8703,7 @@
                     </p:txBody>
                   </p:sp>
                 </mc:Choice>
-                <mc:Fallback>
+                <mc:Fallback xmlns="">
                   <p:sp>
                     <p:nvSpPr>
                       <p:cNvPr id="24" name="Rectangle 23">
@@ -8803,8 +8785,8 @@
                   <a:chExt cx="2133600" cy="1211652"/>
                 </a:xfrm>
               </p:grpSpPr>
-              <mc:AlternateContent xmlns:mc="http://schemas.openxmlformats.org/markup-compatibility/2006">
-                <mc:Choice xmlns:a14="http://schemas.microsoft.com/office/drawing/2010/main" Requires="a14">
+              <mc:AlternateContent xmlns:mc="http://schemas.openxmlformats.org/markup-compatibility/2006" xmlns:a14="http://schemas.microsoft.com/office/drawing/2010/main">
+                <mc:Choice Requires="a14">
                   <p:sp>
                     <p:nvSpPr>
                       <p:cNvPr id="19" name="Rectangle 18">
@@ -8940,7 +8922,7 @@
                     </p:txBody>
                   </p:sp>
                 </mc:Choice>
-                <mc:Fallback>
+                <mc:Fallback xmlns="">
                   <p:sp>
                     <p:nvSpPr>
                       <p:cNvPr id="19" name="Rectangle 18">
@@ -9101,8 +9083,8 @@
                   </a:p>
                 </p:txBody>
               </p:sp>
-              <mc:AlternateContent xmlns:mc="http://schemas.openxmlformats.org/markup-compatibility/2006">
-                <mc:Choice xmlns:a14="http://schemas.microsoft.com/office/drawing/2010/main" Requires="a14">
+              <mc:AlternateContent xmlns:mc="http://schemas.openxmlformats.org/markup-compatibility/2006" xmlns:a14="http://schemas.microsoft.com/office/drawing/2010/main">
+                <mc:Choice Requires="a14">
                   <p:sp>
                     <p:nvSpPr>
                       <p:cNvPr id="21" name="Rectangle 20">
@@ -9225,7 +9207,7 @@
                     </p:txBody>
                   </p:sp>
                 </mc:Choice>
-                <mc:Fallback>
+                <mc:Fallback xmlns="">
                   <p:sp>
                     <p:nvSpPr>
                       <p:cNvPr id="21" name="Rectangle 20">
@@ -9307,8 +9289,8 @@
                   <a:chExt cx="2133600" cy="787860"/>
                 </a:xfrm>
               </p:grpSpPr>
-              <mc:AlternateContent xmlns:mc="http://schemas.openxmlformats.org/markup-compatibility/2006">
-                <mc:Choice xmlns:a14="http://schemas.microsoft.com/office/drawing/2010/main" Requires="a14">
+              <mc:AlternateContent xmlns:mc="http://schemas.openxmlformats.org/markup-compatibility/2006" xmlns:a14="http://schemas.microsoft.com/office/drawing/2010/main">
+                <mc:Choice Requires="a14">
                   <p:sp>
                     <p:nvSpPr>
                       <p:cNvPr id="17" name="Rectangle 16">
@@ -9449,7 +9431,7 @@
                     </p:txBody>
                   </p:sp>
                 </mc:Choice>
-                <mc:Fallback>
+                <mc:Fallback xmlns="">
                   <p:sp>
                     <p:nvSpPr>
                       <p:cNvPr id="17" name="Rectangle 16">
@@ -9694,13 +9676,13 @@
   <p:clrMapOvr>
     <a:masterClrMapping/>
   </p:clrMapOvr>
-  <mc:AlternateContent xmlns:mc="http://schemas.openxmlformats.org/markup-compatibility/2006">
-    <mc:Choice xmlns:p14="http://schemas.microsoft.com/office/powerpoint/2010/main" Requires="p14">
+  <mc:AlternateContent xmlns:mc="http://schemas.openxmlformats.org/markup-compatibility/2006" xmlns:p14="http://schemas.microsoft.com/office/powerpoint/2010/main">
+    <mc:Choice Requires="p14">
       <p:transition spd="med" p14:dur="700">
         <p:fade/>
       </p:transition>
     </mc:Choice>
-    <mc:Fallback>
+    <mc:Fallback xmlns="">
       <p:transition spd="med">
         <p:fade/>
       </p:transition>
@@ -9759,8 +9741,8 @@
           </a:p>
         </p:txBody>
       </p:sp>
-      <mc:AlternateContent xmlns:mc="http://schemas.openxmlformats.org/markup-compatibility/2006">
-        <mc:Choice xmlns:a14="http://schemas.microsoft.com/office/drawing/2010/main" Requires="a14">
+      <mc:AlternateContent xmlns:mc="http://schemas.openxmlformats.org/markup-compatibility/2006" xmlns:a14="http://schemas.microsoft.com/office/drawing/2010/main">
+        <mc:Choice Requires="a14">
           <p:sp>
             <p:nvSpPr>
               <p:cNvPr id="8" name="Content Placeholder 7">
@@ -10451,7 +10433,7 @@
             </p:txBody>
           </p:sp>
         </mc:Choice>
-        <mc:Fallback>
+        <mc:Fallback xmlns="">
           <p:sp>
             <p:nvSpPr>
               <p:cNvPr id="8" name="Content Placeholder 7">
@@ -12803,8 +12785,8 @@
           </a:p>
         </p:txBody>
       </p:sp>
-      <mc:AlternateContent xmlns:mc="http://schemas.openxmlformats.org/markup-compatibility/2006">
-        <mc:Choice xmlns:a14="http://schemas.microsoft.com/office/drawing/2010/main" Requires="a14">
+      <mc:AlternateContent xmlns:mc="http://schemas.openxmlformats.org/markup-compatibility/2006" xmlns:a14="http://schemas.microsoft.com/office/drawing/2010/main">
+        <mc:Choice Requires="a14">
           <p:sp>
             <p:nvSpPr>
               <p:cNvPr id="8" name="Content Placeholder 7">
@@ -14047,7 +14029,7 @@
             </p:txBody>
           </p:sp>
         </mc:Choice>
-        <mc:Fallback>
+        <mc:Fallback xmlns="">
           <p:sp>
             <p:nvSpPr>
               <p:cNvPr id="8" name="Content Placeholder 7">
@@ -14097,13 +14079,13 @@
   <p:clrMapOvr>
     <a:masterClrMapping/>
   </p:clrMapOvr>
-  <mc:AlternateContent xmlns:mc="http://schemas.openxmlformats.org/markup-compatibility/2006">
-    <mc:Choice xmlns:p14="http://schemas.microsoft.com/office/powerpoint/2010/main" Requires="p14">
+  <mc:AlternateContent xmlns:mc="http://schemas.openxmlformats.org/markup-compatibility/2006" xmlns:p14="http://schemas.microsoft.com/office/powerpoint/2010/main">
+    <mc:Choice Requires="p14">
       <p:transition spd="med" p14:dur="700">
         <p:fade/>
       </p:transition>
     </mc:Choice>
-    <mc:Fallback>
+    <mc:Fallback xmlns="">
       <p:transition spd="med">
         <p:fade/>
       </p:transition>
@@ -14302,8 +14284,8 @@
           </a:p>
         </p:txBody>
       </p:sp>
-      <mc:AlternateContent xmlns:mc="http://schemas.openxmlformats.org/markup-compatibility/2006">
-        <mc:Choice xmlns:a14="http://schemas.microsoft.com/office/drawing/2010/main" Requires="a14">
+      <mc:AlternateContent xmlns:mc="http://schemas.openxmlformats.org/markup-compatibility/2006" xmlns:a14="http://schemas.microsoft.com/office/drawing/2010/main">
+        <mc:Choice Requires="a14">
           <p:sp>
             <p:nvSpPr>
               <p:cNvPr id="8" name="Content Placeholder 7">
@@ -14569,7 +14551,7 @@
             </p:txBody>
           </p:sp>
         </mc:Choice>
-        <mc:Fallback>
+        <mc:Fallback xmlns="">
           <p:sp>
             <p:nvSpPr>
               <p:cNvPr id="8" name="Content Placeholder 7">
@@ -14619,13 +14601,13 @@
   <p:clrMapOvr>
     <a:masterClrMapping/>
   </p:clrMapOvr>
-  <mc:AlternateContent xmlns:mc="http://schemas.openxmlformats.org/markup-compatibility/2006">
-    <mc:Choice xmlns:p14="http://schemas.microsoft.com/office/powerpoint/2010/main" Requires="p14">
+  <mc:AlternateContent xmlns:mc="http://schemas.openxmlformats.org/markup-compatibility/2006" xmlns:p14="http://schemas.microsoft.com/office/powerpoint/2010/main">
+    <mc:Choice Requires="p14">
       <p:transition spd="med" p14:dur="700">
         <p:fade/>
       </p:transition>
     </mc:Choice>
-    <mc:Fallback>
+    <mc:Fallback xmlns="">
       <p:transition spd="med">
         <p:fade/>
       </p:transition>
@@ -15040,7 +15022,7 @@
                   <a:rPr lang="en-US" b="0" dirty="0">
                     <a:latin typeface="+mn-lt"/>
                   </a:rPr>
-                  <a:t>inimization the error rate with respect to the threshold </a:t>
+                  <a:t>inimize the error rate with respect to the threshold </a:t>
                 </a:r>
                 <a14:m>
                   <m:oMath xmlns:m="http://schemas.openxmlformats.org/officeDocument/2006/math">
@@ -15224,13 +15206,13 @@
   <p:clrMapOvr>
     <a:masterClrMapping/>
   </p:clrMapOvr>
-  <mc:AlternateContent xmlns:mc="http://schemas.openxmlformats.org/markup-compatibility/2006">
-    <mc:Choice xmlns:p14="http://schemas.microsoft.com/office/powerpoint/2010/main" Requires="p14">
+  <mc:AlternateContent xmlns:mc="http://schemas.openxmlformats.org/markup-compatibility/2006" xmlns:p14="http://schemas.microsoft.com/office/powerpoint/2010/main">
+    <mc:Choice Requires="p14">
       <p:transition spd="med" p14:dur="700">
         <p:fade/>
       </p:transition>
     </mc:Choice>
-    <mc:Fallback>
+    <mc:Fallback xmlns="">
       <p:transition spd="med">
         <p:fade/>
       </p:transition>
@@ -15295,8 +15277,8 @@
           </a:p>
         </p:txBody>
       </p:sp>
-      <mc:AlternateContent xmlns:mc="http://schemas.openxmlformats.org/markup-compatibility/2006">
-        <mc:Choice xmlns:a14="http://schemas.microsoft.com/office/drawing/2010/main" Requires="a14">
+      <mc:AlternateContent xmlns:mc="http://schemas.openxmlformats.org/markup-compatibility/2006" xmlns:a14="http://schemas.microsoft.com/office/drawing/2010/main">
+        <mc:Choice Requires="a14">
           <p:sp>
             <p:nvSpPr>
               <p:cNvPr id="8" name="Content Placeholder 7">
@@ -16285,7 +16267,7 @@
             </p:txBody>
           </p:sp>
         </mc:Choice>
-        <mc:Fallback>
+        <mc:Fallback xmlns="">
           <p:sp>
             <p:nvSpPr>
               <p:cNvPr id="8" name="Content Placeholder 7">
@@ -16335,13 +16317,13 @@
   <p:clrMapOvr>
     <a:masterClrMapping/>
   </p:clrMapOvr>
-  <mc:AlternateContent xmlns:mc="http://schemas.openxmlformats.org/markup-compatibility/2006">
-    <mc:Choice xmlns:p14="http://schemas.microsoft.com/office/powerpoint/2010/main" Requires="p14">
+  <mc:AlternateContent xmlns:mc="http://schemas.openxmlformats.org/markup-compatibility/2006" xmlns:p14="http://schemas.microsoft.com/office/powerpoint/2010/main">
+    <mc:Choice Requires="p14">
       <p:transition spd="med" p14:dur="700">
         <p:fade/>
       </p:transition>
     </mc:Choice>
-    <mc:Fallback>
+    <mc:Fallback xmlns="">
       <p:transition spd="med">
         <p:fade/>
       </p:transition>
@@ -16705,8 +16687,8 @@
           </a:p>
         </p:txBody>
       </p:sp>
-      <mc:AlternateContent xmlns:mc="http://schemas.openxmlformats.org/markup-compatibility/2006">
-        <mc:Choice xmlns:a14="http://schemas.microsoft.com/office/drawing/2010/main" Requires="a14">
+      <mc:AlternateContent xmlns:mc="http://schemas.openxmlformats.org/markup-compatibility/2006" xmlns:a14="http://schemas.microsoft.com/office/drawing/2010/main">
+        <mc:Choice Requires="a14">
           <p:sp>
             <p:nvSpPr>
               <p:cNvPr id="8" name="Content Placeholder 7">
@@ -17248,7 +17230,7 @@
             </p:txBody>
           </p:sp>
         </mc:Choice>
-        <mc:Fallback>
+        <mc:Fallback xmlns="">
           <p:sp>
             <p:nvSpPr>
               <p:cNvPr id="8" name="Content Placeholder 7">
@@ -17298,13 +17280,13 @@
   <p:clrMapOvr>
     <a:masterClrMapping/>
   </p:clrMapOvr>
-  <mc:AlternateContent xmlns:mc="http://schemas.openxmlformats.org/markup-compatibility/2006">
-    <mc:Choice xmlns:p14="http://schemas.microsoft.com/office/powerpoint/2010/main" Requires="p14">
+  <mc:AlternateContent xmlns:mc="http://schemas.openxmlformats.org/markup-compatibility/2006" xmlns:p14="http://schemas.microsoft.com/office/powerpoint/2010/main">
+    <mc:Choice Requires="p14">
       <p:transition spd="med" p14:dur="700">
         <p:fade/>
       </p:transition>
     </mc:Choice>
-    <mc:Fallback>
+    <mc:Fallback xmlns="">
       <p:transition spd="med">
         <p:fade/>
       </p:transition>

--- a/Lectures/Week04/Lecture07.pptx
+++ b/Lectures/Week04/Lecture07.pptx
@@ -14705,7 +14705,7 @@
                     </a:solidFill>
                     <a:latin typeface="+mn-lt"/>
                   </a:rPr>
-                  <a:t>Assignment 1</a:t>
+                  <a:t>Assignment</a:t>
                 </a:r>
                 <a:r>
                   <a:rPr lang="en-US" b="0" dirty="0">

--- a/Lectures/Week04/Lecture07.pptx
+++ b/Lectures/Week04/Lecture07.pptx
@@ -14672,8 +14672,8 @@
           </a:p>
         </p:txBody>
       </p:sp>
-      <mc:AlternateContent xmlns:mc="http://schemas.openxmlformats.org/markup-compatibility/2006">
-        <mc:Choice xmlns:a14="http://schemas.microsoft.com/office/drawing/2010/main" Requires="a14">
+      <mc:AlternateContent xmlns:mc="http://schemas.openxmlformats.org/markup-compatibility/2006" xmlns:a14="http://schemas.microsoft.com/office/drawing/2010/main">
+        <mc:Choice Requires="a14">
           <p:sp>
             <p:nvSpPr>
               <p:cNvPr id="8" name="Content Placeholder 7">
@@ -15156,7 +15156,7 @@
             </p:txBody>
           </p:sp>
         </mc:Choice>
-        <mc:Fallback>
+        <mc:Fallback xmlns="">
           <p:sp>
             <p:nvSpPr>
               <p:cNvPr id="8" name="Content Placeholder 7">
